--- a/Connections Flyer.pptx
+++ b/Connections Flyer.pptx
@@ -2,7 +2,7 @@
 <file path=ppt/presentation.xml><?xml version="1.0" encoding="utf-8"?>
 <p:presentation xmlns:a="http://schemas.openxmlformats.org/drawingml/2006/main" xmlns:r="http://schemas.openxmlformats.org/officeDocument/2006/relationships" xmlns:p="http://schemas.openxmlformats.org/presentationml/2006/main" saveSubsetFonts="1">
   <p:sldMasterIdLst>
-    <p:sldMasterId id="2147483684" r:id="rId1"/>
+    <p:sldMasterId id="2147483744" r:id="rId1"/>
   </p:sldMasterIdLst>
   <p:sldIdLst>
     <p:sldId id="256" r:id="rId2"/>
@@ -305,7 +305,7 @@
     </p:spTree>
     <p:extLst>
       <p:ext uri="{BB962C8B-B14F-4D97-AF65-F5344CB8AC3E}">
-        <p14:creationId xmlns:p14="http://schemas.microsoft.com/office/powerpoint/2010/main" val="3720670302"/>
+        <p14:creationId xmlns:p14="http://schemas.microsoft.com/office/powerpoint/2010/main" val="1563592410"/>
       </p:ext>
     </p:extLst>
   </p:cSld>
@@ -475,7 +475,7 @@
     </p:spTree>
     <p:extLst>
       <p:ext uri="{BB962C8B-B14F-4D97-AF65-F5344CB8AC3E}">
-        <p14:creationId xmlns:p14="http://schemas.microsoft.com/office/powerpoint/2010/main" val="3499635427"/>
+        <p14:creationId xmlns:p14="http://schemas.microsoft.com/office/powerpoint/2010/main" val="2742924906"/>
       </p:ext>
     </p:extLst>
   </p:cSld>
@@ -655,7 +655,7 @@
     </p:spTree>
     <p:extLst>
       <p:ext uri="{BB962C8B-B14F-4D97-AF65-F5344CB8AC3E}">
-        <p14:creationId xmlns:p14="http://schemas.microsoft.com/office/powerpoint/2010/main" val="880814881"/>
+        <p14:creationId xmlns:p14="http://schemas.microsoft.com/office/powerpoint/2010/main" val="995204603"/>
       </p:ext>
     </p:extLst>
   </p:cSld>
@@ -825,7 +825,7 @@
     </p:spTree>
     <p:extLst>
       <p:ext uri="{BB962C8B-B14F-4D97-AF65-F5344CB8AC3E}">
-        <p14:creationId xmlns:p14="http://schemas.microsoft.com/office/powerpoint/2010/main" val="1472965577"/>
+        <p14:creationId xmlns:p14="http://schemas.microsoft.com/office/powerpoint/2010/main" val="3490634990"/>
       </p:ext>
     </p:extLst>
   </p:cSld>
@@ -1069,7 +1069,7 @@
     </p:spTree>
     <p:extLst>
       <p:ext uri="{BB962C8B-B14F-4D97-AF65-F5344CB8AC3E}">
-        <p14:creationId xmlns:p14="http://schemas.microsoft.com/office/powerpoint/2010/main" val="966976966"/>
+        <p14:creationId xmlns:p14="http://schemas.microsoft.com/office/powerpoint/2010/main" val="3762397213"/>
       </p:ext>
     </p:extLst>
   </p:cSld>
@@ -1301,7 +1301,7 @@
     </p:spTree>
     <p:extLst>
       <p:ext uri="{BB962C8B-B14F-4D97-AF65-F5344CB8AC3E}">
-        <p14:creationId xmlns:p14="http://schemas.microsoft.com/office/powerpoint/2010/main" val="222311876"/>
+        <p14:creationId xmlns:p14="http://schemas.microsoft.com/office/powerpoint/2010/main" val="1536072431"/>
       </p:ext>
     </p:extLst>
   </p:cSld>
@@ -1668,7 +1668,7 @@
     </p:spTree>
     <p:extLst>
       <p:ext uri="{BB962C8B-B14F-4D97-AF65-F5344CB8AC3E}">
-        <p14:creationId xmlns:p14="http://schemas.microsoft.com/office/powerpoint/2010/main" val="2062904403"/>
+        <p14:creationId xmlns:p14="http://schemas.microsoft.com/office/powerpoint/2010/main" val="4015055711"/>
       </p:ext>
     </p:extLst>
   </p:cSld>
@@ -1786,7 +1786,7 @@
     </p:spTree>
     <p:extLst>
       <p:ext uri="{BB962C8B-B14F-4D97-AF65-F5344CB8AC3E}">
-        <p14:creationId xmlns:p14="http://schemas.microsoft.com/office/powerpoint/2010/main" val="4178778708"/>
+        <p14:creationId xmlns:p14="http://schemas.microsoft.com/office/powerpoint/2010/main" val="4208604835"/>
       </p:ext>
     </p:extLst>
   </p:cSld>
@@ -1881,7 +1881,7 @@
     </p:spTree>
     <p:extLst>
       <p:ext uri="{BB962C8B-B14F-4D97-AF65-F5344CB8AC3E}">
-        <p14:creationId xmlns:p14="http://schemas.microsoft.com/office/powerpoint/2010/main" val="2331109839"/>
+        <p14:creationId xmlns:p14="http://schemas.microsoft.com/office/powerpoint/2010/main" val="72284617"/>
       </p:ext>
     </p:extLst>
   </p:cSld>
@@ -2158,7 +2158,7 @@
     </p:spTree>
     <p:extLst>
       <p:ext uri="{BB962C8B-B14F-4D97-AF65-F5344CB8AC3E}">
-        <p14:creationId xmlns:p14="http://schemas.microsoft.com/office/powerpoint/2010/main" val="1150715073"/>
+        <p14:creationId xmlns:p14="http://schemas.microsoft.com/office/powerpoint/2010/main" val="998613855"/>
       </p:ext>
     </p:extLst>
   </p:cSld>
@@ -2415,7 +2415,7 @@
     </p:spTree>
     <p:extLst>
       <p:ext uri="{BB962C8B-B14F-4D97-AF65-F5344CB8AC3E}">
-        <p14:creationId xmlns:p14="http://schemas.microsoft.com/office/powerpoint/2010/main" val="3974821756"/>
+        <p14:creationId xmlns:p14="http://schemas.microsoft.com/office/powerpoint/2010/main" val="604911615"/>
       </p:ext>
     </p:extLst>
   </p:cSld>
@@ -2664,23 +2664,23 @@
     </p:spTree>
     <p:extLst>
       <p:ext uri="{BB962C8B-B14F-4D97-AF65-F5344CB8AC3E}">
-        <p14:creationId xmlns:p14="http://schemas.microsoft.com/office/powerpoint/2010/main" val="2519286506"/>
+        <p14:creationId xmlns:p14="http://schemas.microsoft.com/office/powerpoint/2010/main" val="574181553"/>
       </p:ext>
     </p:extLst>
   </p:cSld>
   <p:clrMap bg1="dk1" tx1="lt1" bg2="dk2" tx2="lt2" accent1="accent1" accent2="accent2" accent3="accent3" accent4="accent4" accent5="accent5" accent6="accent6" hlink="hlink" folHlink="folHlink"/>
   <p:sldLayoutIdLst>
-    <p:sldLayoutId id="2147483685" r:id="rId1"/>
-    <p:sldLayoutId id="2147483686" r:id="rId2"/>
-    <p:sldLayoutId id="2147483687" r:id="rId3"/>
-    <p:sldLayoutId id="2147483688" r:id="rId4"/>
-    <p:sldLayoutId id="2147483689" r:id="rId5"/>
-    <p:sldLayoutId id="2147483690" r:id="rId6"/>
-    <p:sldLayoutId id="2147483691" r:id="rId7"/>
-    <p:sldLayoutId id="2147483692" r:id="rId8"/>
-    <p:sldLayoutId id="2147483693" r:id="rId9"/>
-    <p:sldLayoutId id="2147483694" r:id="rId10"/>
-    <p:sldLayoutId id="2147483695" r:id="rId11"/>
+    <p:sldLayoutId id="2147483745" r:id="rId1"/>
+    <p:sldLayoutId id="2147483746" r:id="rId2"/>
+    <p:sldLayoutId id="2147483747" r:id="rId3"/>
+    <p:sldLayoutId id="2147483748" r:id="rId4"/>
+    <p:sldLayoutId id="2147483749" r:id="rId5"/>
+    <p:sldLayoutId id="2147483750" r:id="rId6"/>
+    <p:sldLayoutId id="2147483751" r:id="rId7"/>
+    <p:sldLayoutId id="2147483752" r:id="rId8"/>
+    <p:sldLayoutId id="2147483753" r:id="rId9"/>
+    <p:sldLayoutId id="2147483754" r:id="rId10"/>
+    <p:sldLayoutId id="2147483755" r:id="rId11"/>
   </p:sldLayoutIdLst>
   <p:txStyles>
     <p:titleStyle>
@@ -3166,7 +3166,7 @@
         <p:spPr>
           <a:xfrm>
             <a:off x="550330" y="5689595"/>
-            <a:ext cx="5757333" cy="3539430"/>
+            <a:ext cx="5757333" cy="3293209"/>
           </a:xfrm>
           <a:prstGeom prst="rect">
             <a:avLst/>
@@ -3276,19 +3276,8 @@
             <a:endParaRPr lang="en-US" sz="1600" dirty="0"/>
           </a:p>
           <a:p>
-            <a:pPr algn="ctr" fontAlgn="base"/>
-            <a:r>
-              <a:rPr lang="en-US" sz="1100" dirty="0" smtClean="0"/>
-              <a:t>Various Speakers from Huawei as well.</a:t>
-            </a:r>
-            <a:endParaRPr lang="en-US" sz="1100" dirty="0"/>
-          </a:p>
-          <a:p>
             <a:pPr algn="just" fontAlgn="base"/>
-            <a:r>
-              <a:rPr lang="en-US" sz="1600" dirty="0"/>
-              <a:t> </a:t>
-            </a:r>
+            <a:endParaRPr lang="en-US" sz="1600" dirty="0"/>
           </a:p>
           <a:p>
             <a:pPr algn="just" fontAlgn="base"/>
@@ -3471,7 +3460,7 @@
 <file path=ppt/theme/theme1.xml><?xml version="1.0" encoding="utf-8"?>
 <a:theme xmlns:a="http://schemas.openxmlformats.org/drawingml/2006/main" name="Office Theme">
   <a:themeElements>
-    <a:clrScheme name="Office Theme">
+    <a:clrScheme name="Custom 2">
       <a:dk1>
         <a:sysClr val="windowText" lastClr="000000"/>
       </a:dk1>
@@ -3503,7 +3492,7 @@
         <a:srgbClr val="D58C2E"/>
       </a:accent6>
       <a:hlink>
-        <a:srgbClr val="0563C1"/>
+        <a:srgbClr val="92D050"/>
       </a:hlink>
       <a:folHlink>
         <a:srgbClr val="954F72"/>

--- a/Connections Flyer.pptx
+++ b/Connections Flyer.pptx
@@ -3249,12 +3249,16 @@
               <a:t>, Elliot Lear, </a:t>
             </a:r>
             <a:r>
-              <a:rPr lang="en-US" sz="1600" dirty="0" err="1"/>
-              <a:t>Casten</a:t>
+              <a:rPr lang="en-US" sz="1600" dirty="0" err="1" smtClean="0"/>
+              <a:t>Carsten</a:t>
+            </a:r>
+            <a:r>
+              <a:rPr lang="en-US" sz="1600" dirty="0" smtClean="0"/>
+              <a:t> </a:t>
             </a:r>
             <a:r>
               <a:rPr lang="en-US" sz="1600" dirty="0"/>
-              <a:t> Bormann, Vishnu Pavan Beeram and many </a:t>
+              <a:t>Bormann, Vishnu Pavan Beeram and many </a:t>
             </a:r>
             <a:r>
               <a:rPr lang="en-US" sz="1600" dirty="0" smtClean="0"/>
